--- a/_PowerPoints/PGS process flow.pptx
+++ b/_PowerPoints/PGS process flow.pptx
@@ -246,7 +246,7 @@
           <a:p>
             <a:fld id="{2B066E8C-A820-4E64-B7A3-9C5DF1E48DDF}" type="datetimeFigureOut">
               <a:rPr lang="en-US" smtClean="0"/>
-              <a:t>9/20/2021</a:t>
+              <a:t>10/14/2021</a:t>
             </a:fld>
             <a:endParaRPr lang="en-US"/>
           </a:p>
@@ -416,7 +416,7 @@
           <a:p>
             <a:fld id="{2B066E8C-A820-4E64-B7A3-9C5DF1E48DDF}" type="datetimeFigureOut">
               <a:rPr lang="en-US" smtClean="0"/>
-              <a:t>9/20/2021</a:t>
+              <a:t>10/14/2021</a:t>
             </a:fld>
             <a:endParaRPr lang="en-US"/>
           </a:p>
@@ -596,7 +596,7 @@
           <a:p>
             <a:fld id="{2B066E8C-A820-4E64-B7A3-9C5DF1E48DDF}" type="datetimeFigureOut">
               <a:rPr lang="en-US" smtClean="0"/>
-              <a:t>9/20/2021</a:t>
+              <a:t>10/14/2021</a:t>
             </a:fld>
             <a:endParaRPr lang="en-US"/>
           </a:p>
@@ -766,7 +766,7 @@
           <a:p>
             <a:fld id="{2B066E8C-A820-4E64-B7A3-9C5DF1E48DDF}" type="datetimeFigureOut">
               <a:rPr lang="en-US" smtClean="0"/>
-              <a:t>9/20/2021</a:t>
+              <a:t>10/14/2021</a:t>
             </a:fld>
             <a:endParaRPr lang="en-US"/>
           </a:p>
@@ -1012,7 +1012,7 @@
           <a:p>
             <a:fld id="{2B066E8C-A820-4E64-B7A3-9C5DF1E48DDF}" type="datetimeFigureOut">
               <a:rPr lang="en-US" smtClean="0"/>
-              <a:t>9/20/2021</a:t>
+              <a:t>10/14/2021</a:t>
             </a:fld>
             <a:endParaRPr lang="en-US"/>
           </a:p>
@@ -1244,7 +1244,7 @@
           <a:p>
             <a:fld id="{2B066E8C-A820-4E64-B7A3-9C5DF1E48DDF}" type="datetimeFigureOut">
               <a:rPr lang="en-US" smtClean="0"/>
-              <a:t>9/20/2021</a:t>
+              <a:t>10/14/2021</a:t>
             </a:fld>
             <a:endParaRPr lang="en-US"/>
           </a:p>
@@ -1611,7 +1611,7 @@
           <a:p>
             <a:fld id="{2B066E8C-A820-4E64-B7A3-9C5DF1E48DDF}" type="datetimeFigureOut">
               <a:rPr lang="en-US" smtClean="0"/>
-              <a:t>9/20/2021</a:t>
+              <a:t>10/14/2021</a:t>
             </a:fld>
             <a:endParaRPr lang="en-US"/>
           </a:p>
@@ -1729,7 +1729,7 @@
           <a:p>
             <a:fld id="{2B066E8C-A820-4E64-B7A3-9C5DF1E48DDF}" type="datetimeFigureOut">
               <a:rPr lang="en-US" smtClean="0"/>
-              <a:t>9/20/2021</a:t>
+              <a:t>10/14/2021</a:t>
             </a:fld>
             <a:endParaRPr lang="en-US"/>
           </a:p>
@@ -1824,7 +1824,7 @@
           <a:p>
             <a:fld id="{2B066E8C-A820-4E64-B7A3-9C5DF1E48DDF}" type="datetimeFigureOut">
               <a:rPr lang="en-US" smtClean="0"/>
-              <a:t>9/20/2021</a:t>
+              <a:t>10/14/2021</a:t>
             </a:fld>
             <a:endParaRPr lang="en-US"/>
           </a:p>
@@ -2101,7 +2101,7 @@
           <a:p>
             <a:fld id="{2B066E8C-A820-4E64-B7A3-9C5DF1E48DDF}" type="datetimeFigureOut">
               <a:rPr lang="en-US" smtClean="0"/>
-              <a:t>9/20/2021</a:t>
+              <a:t>10/14/2021</a:t>
             </a:fld>
             <a:endParaRPr lang="en-US"/>
           </a:p>
@@ -2358,7 +2358,7 @@
           <a:p>
             <a:fld id="{2B066E8C-A820-4E64-B7A3-9C5DF1E48DDF}" type="datetimeFigureOut">
               <a:rPr lang="en-US" smtClean="0"/>
-              <a:t>9/20/2021</a:t>
+              <a:t>10/14/2021</a:t>
             </a:fld>
             <a:endParaRPr lang="en-US"/>
           </a:p>
@@ -2571,7 +2571,7 @@
           <a:p>
             <a:fld id="{2B066E8C-A820-4E64-B7A3-9C5DF1E48DDF}" type="datetimeFigureOut">
               <a:rPr lang="en-US" smtClean="0"/>
-              <a:t>9/20/2021</a:t>
+              <a:t>10/14/2021</a:t>
             </a:fld>
             <a:endParaRPr lang="en-US"/>
           </a:p>
@@ -3221,7 +3221,7 @@
         </p:nvSpPr>
         <p:spPr>
           <a:xfrm>
-            <a:off x="9875474" y="3224738"/>
+            <a:off x="10199713" y="3224737"/>
             <a:ext cx="1567161" cy="707886"/>
           </a:xfrm>
           <a:prstGeom prst="rect">
@@ -3269,7 +3269,7 @@
         </p:nvSpPr>
         <p:spPr>
           <a:xfrm>
-            <a:off x="11900777" y="2102228"/>
+            <a:off x="12498654" y="2078875"/>
             <a:ext cx="1662823" cy="707886"/>
           </a:xfrm>
           <a:prstGeom prst="rect">
@@ -3317,7 +3317,7 @@
         </p:nvSpPr>
         <p:spPr>
           <a:xfrm>
-            <a:off x="11900777" y="4192139"/>
+            <a:off x="12357977" y="4192139"/>
             <a:ext cx="1944178" cy="707886"/>
           </a:xfrm>
           <a:prstGeom prst="rect">
@@ -3449,7 +3449,7 @@
         <p:spPr>
           <a:xfrm>
             <a:off x="9227263" y="3424792"/>
-            <a:ext cx="648211" cy="0"/>
+            <a:ext cx="972450" cy="0"/>
           </a:xfrm>
           <a:prstGeom prst="straightConnector1">
             <a:avLst/>
@@ -3491,8 +3491,8 @@
         </p:nvCxnSpPr>
         <p:spPr>
           <a:xfrm flipV="1">
-            <a:off x="11442635" y="2456171"/>
-            <a:ext cx="458142" cy="1122510"/>
+            <a:off x="11766874" y="2432818"/>
+            <a:ext cx="731780" cy="1145862"/>
           </a:xfrm>
           <a:prstGeom prst="straightConnector1">
             <a:avLst/>
@@ -3534,8 +3534,8 @@
         </p:nvCxnSpPr>
         <p:spPr>
           <a:xfrm>
-            <a:off x="11442635" y="3578681"/>
-            <a:ext cx="458142" cy="967401"/>
+            <a:off x="11766874" y="3578680"/>
+            <a:ext cx="591103" cy="967402"/>
           </a:xfrm>
           <a:prstGeom prst="straightConnector1">
             <a:avLst/>
@@ -3646,7 +3646,7 @@
         <p:spPr>
           <a:xfrm>
             <a:off x="485063" y="2178298"/>
-            <a:ext cx="4085862" cy="1477328"/>
+            <a:ext cx="4085862" cy="1200329"/>
           </a:xfrm>
           <a:prstGeom prst="rect">
             <a:avLst/>
@@ -3696,17 +3696,7 @@
             </a:pPr>
             <a:r>
               <a:rPr lang="en-US" dirty="0"/>
-              <a:t>Keep white British </a:t>
-            </a:r>
-          </a:p>
-          <a:p>
-            <a:pPr marL="285764" indent="-285764">
-              <a:buFontTx/>
-              <a:buChar char="-"/>
-            </a:pPr>
-            <a:r>
-              <a:rPr lang="en-US" dirty="0"/>
-              <a:t>Remove duplicates (multiallelic)</a:t>
+              <a:t>Keep White British </a:t>
             </a:r>
           </a:p>
           <a:p>
@@ -3777,7 +3767,7 @@
         <p:spPr>
           <a:xfrm>
             <a:off x="9227262" y="3745946"/>
-            <a:ext cx="648211" cy="0"/>
+            <a:ext cx="972451" cy="0"/>
           </a:xfrm>
           <a:prstGeom prst="straightConnector1">
             <a:avLst/>
@@ -3801,6 +3791,76 @@
           </a:fontRef>
         </p:style>
       </p:cxnSp>
+      <p:sp>
+        <p:nvSpPr>
+          <p:cNvPr id="28" name="TextBox 27">
+            <a:extLst>
+              <a:ext uri="{FF2B5EF4-FFF2-40B4-BE49-F238E27FC236}">
+                <a16:creationId xmlns:a16="http://schemas.microsoft.com/office/drawing/2014/main" id="{CE9A519F-D0AA-427C-B228-8C26316963DF}"/>
+              </a:ext>
+            </a:extLst>
+          </p:cNvPr>
+          <p:cNvSpPr txBox="1"/>
+          <p:nvPr/>
+        </p:nvSpPr>
+        <p:spPr>
+          <a:xfrm>
+            <a:off x="9350422" y="3103639"/>
+            <a:ext cx="873889" cy="307777"/>
+          </a:xfrm>
+          <a:prstGeom prst="rect">
+            <a:avLst/>
+          </a:prstGeom>
+          <a:noFill/>
+        </p:spPr>
+        <p:txBody>
+          <a:bodyPr wrap="square" rtlCol="0">
+            <a:spAutoFit/>
+          </a:bodyPr>
+          <a:lstStyle/>
+          <a:p>
+            <a:r>
+              <a:rPr lang="en-US" sz="1400" dirty="0"/>
+              <a:t>male</a:t>
+            </a:r>
+          </a:p>
+        </p:txBody>
+      </p:sp>
+      <p:sp>
+        <p:nvSpPr>
+          <p:cNvPr id="29" name="TextBox 28">
+            <a:extLst>
+              <a:ext uri="{FF2B5EF4-FFF2-40B4-BE49-F238E27FC236}">
+                <a16:creationId xmlns:a16="http://schemas.microsoft.com/office/drawing/2014/main" id="{66E67AE8-A68B-490D-915B-E461C0B99A82}"/>
+              </a:ext>
+            </a:extLst>
+          </p:cNvPr>
+          <p:cNvSpPr txBox="1"/>
+          <p:nvPr/>
+        </p:nvSpPr>
+        <p:spPr>
+          <a:xfrm>
+            <a:off x="9350422" y="3732569"/>
+            <a:ext cx="873889" cy="307777"/>
+          </a:xfrm>
+          <a:prstGeom prst="rect">
+            <a:avLst/>
+          </a:prstGeom>
+          <a:noFill/>
+        </p:spPr>
+        <p:txBody>
+          <a:bodyPr wrap="square" rtlCol="0">
+            <a:spAutoFit/>
+          </a:bodyPr>
+          <a:lstStyle/>
+          <a:p>
+            <a:r>
+              <a:rPr lang="en-US" sz="1400" dirty="0"/>
+              <a:t>female</a:t>
+            </a:r>
+          </a:p>
+        </p:txBody>
+      </p:sp>
     </p:spTree>
     <p:extLst>
       <p:ext uri="{BB962C8B-B14F-4D97-AF65-F5344CB8AC3E}">
@@ -6139,7 +6199,7 @@
             </a:pPr>
             <a:r>
               <a:rPr lang="en-US" dirty="0"/>
-              <a:t>Get R^2, residuals</a:t>
+              <a:t>Get R^2 or AUC, residuals</a:t>
             </a:r>
           </a:p>
         </p:txBody>
@@ -6211,7 +6271,7 @@
             </a:pPr>
             <a:r>
               <a:rPr lang="en-US" dirty="0"/>
-              <a:t>Get R^2, residuals</a:t>
+              <a:t>Get R^2 or AUC, residuals</a:t>
             </a:r>
           </a:p>
         </p:txBody>
@@ -6231,14 +6291,14 @@
           <p:nvPr>
             <p:extLst>
               <p:ext uri="{D42A27DB-BD31-4B8C-83A1-F6EECF244321}">
-                <p14:modId xmlns:p14="http://schemas.microsoft.com/office/powerpoint/2010/main" val="3223538828"/>
+                <p14:modId xmlns:p14="http://schemas.microsoft.com/office/powerpoint/2010/main" val="4231441799"/>
               </p:ext>
             </p:extLst>
           </p:nvPr>
         </p:nvGraphicFramePr>
         <p:xfrm>
-          <a:off x="4082968" y="4575535"/>
-          <a:ext cx="6603357" cy="1854200"/>
+          <a:off x="3974899" y="4575535"/>
+          <a:ext cx="6819495" cy="2133600"/>
         </p:xfrm>
         <a:graphic>
           <a:graphicData uri="http://schemas.openxmlformats.org/drawingml/2006/table">
@@ -6247,21 +6307,21 @@
                 <a:tableStyleId>{5C22544A-7EE6-4342-B048-85BDC9FD1C3A}</a:tableStyleId>
               </a:tblPr>
               <a:tblGrid>
-                <a:gridCol w="2201119">
+                <a:gridCol w="2273165">
                   <a:extLst>
                     <a:ext uri="{9D8B030D-6E8A-4147-A177-3AD203B41FA5}">
                       <a16:colId xmlns:a16="http://schemas.microsoft.com/office/drawing/2014/main" val="2252198560"/>
                     </a:ext>
                   </a:extLst>
                 </a:gridCol>
-                <a:gridCol w="2201119">
+                <a:gridCol w="2273165">
                   <a:extLst>
                     <a:ext uri="{9D8B030D-6E8A-4147-A177-3AD203B41FA5}">
                       <a16:colId xmlns:a16="http://schemas.microsoft.com/office/drawing/2014/main" val="4018405327"/>
                     </a:ext>
                   </a:extLst>
                 </a:gridCol>
-                <a:gridCol w="2201119">
+                <a:gridCol w="2273165">
                   <a:extLst>
                     <a:ext uri="{9D8B030D-6E8A-4147-A177-3AD203B41FA5}">
                       <a16:colId xmlns:a16="http://schemas.microsoft.com/office/drawing/2014/main" val="2372712782"/>
@@ -6269,14 +6329,14 @@
                   </a:extLst>
                 </a:gridCol>
               </a:tblGrid>
-              <a:tr h="370840">
+              <a:tr h="292572">
                 <a:tc>
                   <a:txBody>
                     <a:bodyPr/>
                     <a:lstStyle/>
                     <a:p>
                       <a:r>
-                        <a:rPr lang="en-US" dirty="0"/>
+                        <a:rPr lang="en-US" sz="1400" dirty="0"/>
                         <a:t>Test IDs</a:t>
                       </a:r>
                     </a:p>
@@ -6289,7 +6349,7 @@
                     <a:lstStyle/>
                     <a:p>
                       <a:r>
-                        <a:rPr lang="en-US" dirty="0"/>
+                        <a:rPr lang="en-US" sz="1400" dirty="0"/>
                         <a:t>PGS mash model</a:t>
                       </a:r>
                     </a:p>
@@ -6302,7 +6362,7 @@
                     <a:lstStyle/>
                     <a:p>
                       <a:r>
-                        <a:rPr lang="en-US" dirty="0"/>
+                        <a:rPr lang="en-US" sz="1400" dirty="0"/>
                         <a:t>PGS additive model</a:t>
                       </a:r>
                     </a:p>
@@ -6315,14 +6375,100 @@
                   </a:ext>
                 </a:extLst>
               </a:tr>
-              <a:tr h="370840">
+              <a:tr h="292572">
                 <a:tc rowSpan="2">
                   <a:txBody>
                     <a:bodyPr/>
                     <a:lstStyle/>
                     <a:p>
                       <a:r>
-                        <a:rPr lang="en-US" dirty="0"/>
+                        <a:rPr lang="en-US" sz="1400" dirty="0"/>
+                        <a:t>All (Male and Female)</a:t>
+                      </a:r>
+                    </a:p>
+                  </a:txBody>
+                  <a:tcPr/>
+                </a:tc>
+                <a:tc rowSpan="2">
+                  <a:txBody>
+                    <a:bodyPr/>
+                    <a:lstStyle/>
+                    <a:p>
+                      <a:r>
+                        <a:rPr lang="en-US" sz="1400" dirty="0"/>
+                        <a:t>Mash – male and female</a:t>
+                      </a:r>
+                    </a:p>
+                  </a:txBody>
+                  <a:tcPr/>
+                </a:tc>
+                <a:tc>
+                  <a:txBody>
+                    <a:bodyPr/>
+                    <a:lstStyle/>
+                    <a:p>
+                      <a:r>
+                        <a:rPr lang="en-US" sz="1400" dirty="0"/>
+                        <a:t>Additive both-sex</a:t>
+                      </a:r>
+                    </a:p>
+                  </a:txBody>
+                  <a:tcPr/>
+                </a:tc>
+                <a:extLst>
+                  <a:ext uri="{0D108BD9-81ED-4DB2-BD59-A6C34878D82A}">
+                    <a16:rowId xmlns:a16="http://schemas.microsoft.com/office/drawing/2014/main" val="1026074676"/>
+                  </a:ext>
+                </a:extLst>
+              </a:tr>
+              <a:tr h="292572">
+                <a:tc vMerge="1">
+                  <a:txBody>
+                    <a:bodyPr/>
+                    <a:lstStyle/>
+                    <a:p>
+                      <a:endParaRPr lang="en-US" dirty="0"/>
+                    </a:p>
+                  </a:txBody>
+                  <a:tcPr/>
+                </a:tc>
+                <a:tc vMerge="1">
+                  <a:txBody>
+                    <a:bodyPr/>
+                    <a:lstStyle/>
+                    <a:p>
+                      <a:endParaRPr lang="en-US" sz="1400" dirty="0"/>
+                    </a:p>
+                  </a:txBody>
+                  <a:tcPr/>
+                </a:tc>
+                <a:tc>
+                  <a:txBody>
+                    <a:bodyPr/>
+                    <a:lstStyle/>
+                    <a:p>
+                      <a:r>
+                        <a:rPr lang="en-US" sz="1400" dirty="0"/>
+                        <a:t>Additive male and female</a:t>
+                      </a:r>
+                    </a:p>
+                  </a:txBody>
+                  <a:tcPr/>
+                </a:tc>
+                <a:extLst>
+                  <a:ext uri="{0D108BD9-81ED-4DB2-BD59-A6C34878D82A}">
+                    <a16:rowId xmlns:a16="http://schemas.microsoft.com/office/drawing/2014/main" val="3814209182"/>
+                  </a:ext>
+                </a:extLst>
+              </a:tr>
+              <a:tr h="292572">
+                <a:tc rowSpan="2">
+                  <a:txBody>
+                    <a:bodyPr/>
+                    <a:lstStyle/>
+                    <a:p>
+                      <a:r>
+                        <a:rPr lang="en-US" sz="1400" dirty="0"/>
                         <a:t>Male</a:t>
                       </a:r>
                     </a:p>
@@ -6335,7 +6481,7 @@
                     <a:lstStyle/>
                     <a:p>
                       <a:r>
-                        <a:rPr lang="en-US" dirty="0"/>
+                        <a:rPr lang="en-US" sz="1400" dirty="0"/>
                         <a:t>Mash - male</a:t>
                       </a:r>
                     </a:p>
@@ -6348,7 +6494,7 @@
                     <a:lstStyle/>
                     <a:p>
                       <a:r>
-                        <a:rPr lang="en-US" dirty="0"/>
+                        <a:rPr lang="en-US" sz="1400" dirty="0"/>
                         <a:t>Additive both-sex</a:t>
                       </a:r>
                     </a:p>
@@ -6361,7 +6507,7 @@
                   </a:ext>
                 </a:extLst>
               </a:tr>
-              <a:tr h="370840">
+              <a:tr h="292572">
                 <a:tc vMerge="1">
                   <a:txBody>
                     <a:bodyPr/>
@@ -6388,7 +6534,7 @@
                     <a:lstStyle/>
                     <a:p>
                       <a:r>
-                        <a:rPr lang="en-US" dirty="0"/>
+                        <a:rPr lang="en-US" sz="1400" dirty="0"/>
                         <a:t>Additive male</a:t>
                       </a:r>
                     </a:p>
@@ -6401,14 +6547,14 @@
                   </a:ext>
                 </a:extLst>
               </a:tr>
-              <a:tr h="370840">
+              <a:tr h="292572">
                 <a:tc rowSpan="2">
                   <a:txBody>
                     <a:bodyPr/>
                     <a:lstStyle/>
                     <a:p>
                       <a:r>
-                        <a:rPr lang="en-US" dirty="0"/>
+                        <a:rPr lang="en-US" sz="1400" dirty="0"/>
                         <a:t>Female</a:t>
                       </a:r>
                     </a:p>
@@ -6421,7 +6567,7 @@
                     <a:lstStyle/>
                     <a:p>
                       <a:r>
-                        <a:rPr lang="en-US" dirty="0"/>
+                        <a:rPr lang="en-US" sz="1400" dirty="0"/>
                         <a:t>Mash - female</a:t>
                       </a:r>
                     </a:p>
@@ -6434,7 +6580,7 @@
                     <a:lstStyle/>
                     <a:p>
                       <a:r>
-                        <a:rPr lang="en-US" dirty="0"/>
+                        <a:rPr lang="en-US" sz="1400" dirty="0"/>
                         <a:t>Additive both-sex</a:t>
                       </a:r>
                     </a:p>
@@ -6447,7 +6593,7 @@
                   </a:ext>
                 </a:extLst>
               </a:tr>
-              <a:tr h="370840">
+              <a:tr h="292572">
                 <a:tc vMerge="1">
                   <a:txBody>
                     <a:bodyPr/>
@@ -6474,7 +6620,7 @@
                     <a:lstStyle/>
                     <a:p>
                       <a:r>
-                        <a:rPr lang="en-US" dirty="0"/>
+                        <a:rPr lang="en-US" sz="1400" dirty="0"/>
                         <a:t>Additive female</a:t>
                       </a:r>
                     </a:p>
@@ -6545,7 +6691,7 @@
         <p:spPr>
           <a:xfrm>
             <a:off x="9983164" y="1760808"/>
-            <a:ext cx="3414533" cy="923330"/>
+            <a:ext cx="3414533" cy="1477328"/>
           </a:xfrm>
           <a:prstGeom prst="rect">
             <a:avLst/>
@@ -6587,7 +6733,25 @@
             </a:pPr>
             <a:r>
               <a:rPr lang="en-US" dirty="0"/>
-              <a:t>Make y-hat vs y plot</a:t>
+              <a:t>Incremental AUC= AUC– </a:t>
+            </a:r>
+            <a:r>
+              <a:rPr lang="en-US"/>
+              <a:t>null AUC</a:t>
+            </a:r>
+          </a:p>
+          <a:p>
+            <a:pPr marL="285750" indent="-285750">
+              <a:buFontTx/>
+              <a:buChar char="-"/>
+            </a:pPr>
+            <a:r>
+              <a:rPr lang="en-US"/>
+              <a:t>Make </a:t>
+            </a:r>
+            <a:r>
+              <a:rPr lang="en-US" dirty="0"/>
+              <a:t>y-hat vs y plot</a:t>
             </a:r>
           </a:p>
         </p:txBody>
@@ -6774,8 +6938,8 @@
         </p:nvCxnSpPr>
         <p:spPr>
           <a:xfrm flipV="1">
-            <a:off x="8889356" y="2222473"/>
-            <a:ext cx="1093808" cy="1217440"/>
+            <a:off x="8889356" y="2499472"/>
+            <a:ext cx="1093808" cy="940441"/>
           </a:xfrm>
           <a:prstGeom prst="straightConnector1">
             <a:avLst/>
@@ -6817,7 +6981,7 @@
         <p:spPr>
           <a:xfrm>
             <a:off x="8889356" y="1317697"/>
-            <a:ext cx="1093808" cy="904776"/>
+            <a:ext cx="1093808" cy="1181775"/>
           </a:xfrm>
           <a:prstGeom prst="straightConnector1">
             <a:avLst/>
